--- a/Documents/Our Docs/Slides/Sprint4PresentationAdrian.pptx
+++ b/Documents/Our Docs/Slides/Sprint4PresentationAdrian.pptx
@@ -207,7 +207,7 @@
           <a:p>
             <a:fld id="{87857EF3-CB16-4D9F-BA52-FAE19D95CBEC}" type="datetimeFigureOut">
               <a:rPr lang="en-US" smtClean="0"/>
-              <a:t>4/4/2015</a:t>
+              <a:t>4/6/2015</a:t>
             </a:fld>
             <a:endParaRPr lang="en-US"/>
           </a:p>
@@ -690,7 +690,7 @@
           <a:p>
             <a:fld id="{EF7662E3-674D-464C-A6F0-577B5998971D}" type="datetimeFigureOut">
               <a:rPr lang="en-US" smtClean="0"/>
-              <a:t>4/4/2015</a:t>
+              <a:t>4/6/2015</a:t>
             </a:fld>
             <a:endParaRPr lang="en-US"/>
           </a:p>
@@ -860,7 +860,7 @@
           <a:p>
             <a:fld id="{EF7662E3-674D-464C-A6F0-577B5998971D}" type="datetimeFigureOut">
               <a:rPr lang="en-US" smtClean="0"/>
-              <a:t>4/4/2015</a:t>
+              <a:t>4/6/2015</a:t>
             </a:fld>
             <a:endParaRPr lang="en-US"/>
           </a:p>
@@ -1040,7 +1040,7 @@
           <a:p>
             <a:fld id="{EF7662E3-674D-464C-A6F0-577B5998971D}" type="datetimeFigureOut">
               <a:rPr lang="en-US" smtClean="0"/>
-              <a:t>4/4/2015</a:t>
+              <a:t>4/6/2015</a:t>
             </a:fld>
             <a:endParaRPr lang="en-US"/>
           </a:p>
@@ -1210,7 +1210,7 @@
           <a:p>
             <a:fld id="{EF7662E3-674D-464C-A6F0-577B5998971D}" type="datetimeFigureOut">
               <a:rPr lang="en-US" smtClean="0"/>
-              <a:t>4/4/2015</a:t>
+              <a:t>4/6/2015</a:t>
             </a:fld>
             <a:endParaRPr lang="en-US"/>
           </a:p>
@@ -1456,7 +1456,7 @@
           <a:p>
             <a:fld id="{EF7662E3-674D-464C-A6F0-577B5998971D}" type="datetimeFigureOut">
               <a:rPr lang="en-US" smtClean="0"/>
-              <a:t>4/4/2015</a:t>
+              <a:t>4/6/2015</a:t>
             </a:fld>
             <a:endParaRPr lang="en-US"/>
           </a:p>
@@ -1688,7 +1688,7 @@
           <a:p>
             <a:fld id="{EF7662E3-674D-464C-A6F0-577B5998971D}" type="datetimeFigureOut">
               <a:rPr lang="en-US" smtClean="0"/>
-              <a:t>4/4/2015</a:t>
+              <a:t>4/6/2015</a:t>
             </a:fld>
             <a:endParaRPr lang="en-US"/>
           </a:p>
@@ -2055,7 +2055,7 @@
           <a:p>
             <a:fld id="{EF7662E3-674D-464C-A6F0-577B5998971D}" type="datetimeFigureOut">
               <a:rPr lang="en-US" smtClean="0"/>
-              <a:t>4/4/2015</a:t>
+              <a:t>4/6/2015</a:t>
             </a:fld>
             <a:endParaRPr lang="en-US"/>
           </a:p>
@@ -2173,7 +2173,7 @@
           <a:p>
             <a:fld id="{EF7662E3-674D-464C-A6F0-577B5998971D}" type="datetimeFigureOut">
               <a:rPr lang="en-US" smtClean="0"/>
-              <a:t>4/4/2015</a:t>
+              <a:t>4/6/2015</a:t>
             </a:fld>
             <a:endParaRPr lang="en-US"/>
           </a:p>
@@ -2268,7 +2268,7 @@
           <a:p>
             <a:fld id="{EF7662E3-674D-464C-A6F0-577B5998971D}" type="datetimeFigureOut">
               <a:rPr lang="en-US" smtClean="0"/>
-              <a:t>4/4/2015</a:t>
+              <a:t>4/6/2015</a:t>
             </a:fld>
             <a:endParaRPr lang="en-US"/>
           </a:p>
@@ -2545,7 +2545,7 @@
           <a:p>
             <a:fld id="{EF7662E3-674D-464C-A6F0-577B5998971D}" type="datetimeFigureOut">
               <a:rPr lang="en-US" smtClean="0"/>
-              <a:t>4/4/2015</a:t>
+              <a:t>4/6/2015</a:t>
             </a:fld>
             <a:endParaRPr lang="en-US"/>
           </a:p>
@@ -2798,7 +2798,7 @@
           <a:p>
             <a:fld id="{EF7662E3-674D-464C-A6F0-577B5998971D}" type="datetimeFigureOut">
               <a:rPr lang="en-US" smtClean="0"/>
-              <a:t>4/4/2015</a:t>
+              <a:t>4/6/2015</a:t>
             </a:fld>
             <a:endParaRPr lang="en-US"/>
           </a:p>
@@ -3011,7 +3011,7 @@
           <a:p>
             <a:fld id="{EF7662E3-674D-464C-A6F0-577B5998971D}" type="datetimeFigureOut">
               <a:rPr lang="en-US" smtClean="0"/>
-              <a:t>4/4/2015</a:t>
+              <a:t>4/6/2015</a:t>
             </a:fld>
             <a:endParaRPr lang="en-US"/>
           </a:p>
@@ -3743,11 +3743,7 @@
           <a:p>
             <a:r>
               <a:rPr lang="en-US" sz="5400" b="1" dirty="0" smtClean="0"/>
-              <a:t>Sprint </a:t>
-            </a:r>
-            <a:r>
-              <a:rPr lang="en-US" sz="5400" b="1" dirty="0" smtClean="0"/>
-              <a:t>5 Stories</a:t>
+              <a:t>Sprint 5 Stories</a:t>
             </a:r>
             <a:endParaRPr lang="en-US" sz="5400" b="1" dirty="0"/>
           </a:p>
@@ -3777,11 +3773,7 @@
           <a:p>
             <a:r>
               <a:rPr lang="en-US" sz="4800" b="1" dirty="0" smtClean="0"/>
-              <a:t>Total </a:t>
-            </a:r>
-            <a:r>
-              <a:rPr lang="en-US" sz="4800" b="1" dirty="0" smtClean="0"/>
-              <a:t>32 pts</a:t>
+              <a:t>Total 32 pts</a:t>
             </a:r>
             <a:endParaRPr lang="en-US" sz="4800" b="1" dirty="0"/>
           </a:p>
@@ -3872,15 +3864,7 @@
           <a:p>
             <a:r>
               <a:rPr lang="en-US" sz="5400" b="1" dirty="0" smtClean="0"/>
-              <a:t>Sprint </a:t>
-            </a:r>
-            <a:r>
-              <a:rPr lang="en-US" sz="5400" b="1" dirty="0" smtClean="0"/>
-              <a:t>4 </a:t>
-            </a:r>
-            <a:r>
-              <a:rPr lang="en-US" sz="5400" b="1" dirty="0" smtClean="0"/>
-              <a:t>Stories</a:t>
+              <a:t>Sprint 4 Stories</a:t>
             </a:r>
             <a:endParaRPr lang="en-US" sz="5400" b="1" dirty="0"/>
           </a:p>
@@ -4025,11 +4009,7 @@
           <a:p>
             <a:r>
               <a:rPr lang="en-US" sz="5400" b="1" dirty="0" smtClean="0"/>
-              <a:t>My Sprint </a:t>
-            </a:r>
-            <a:r>
-              <a:rPr lang="en-US" sz="5400" b="1" dirty="0" smtClean="0"/>
-              <a:t>4 Stories (Total 40 pts)</a:t>
+              <a:t>My Sprint 4 Stories (Total 40 pts)</a:t>
             </a:r>
             <a:endParaRPr lang="en-US" sz="5400" b="1" dirty="0"/>
           </a:p>
@@ -4328,7 +4308,7 @@
       </p:sp>
       <p:pic>
         <p:nvPicPr>
-          <p:cNvPr id="5" name="Picture 4"/>
+          <p:cNvPr id="2" name="Picture 1"/>
           <p:cNvPicPr>
             <a:picLocks noChangeAspect="1"/>
           </p:cNvPicPr>
@@ -4348,8 +4328,8 @@
         </p:blipFill>
         <p:spPr>
           <a:xfrm>
-            <a:off x="0" y="696319"/>
-            <a:ext cx="12192000" cy="6015641"/>
+            <a:off x="0" y="778206"/>
+            <a:ext cx="12192000" cy="6079793"/>
           </a:xfrm>
           <a:prstGeom prst="rect">
             <a:avLst/>
@@ -4515,15 +4495,7 @@
             <a:pPr algn="ctr"/>
             <a:r>
               <a:rPr lang="en-US" sz="5400" b="1" dirty="0" smtClean="0"/>
-              <a:t>Class Diagram </a:t>
-            </a:r>
-            <a:r>
-              <a:rPr lang="en-US" sz="5400" b="1" dirty="0" smtClean="0"/>
-              <a:t>(Frequent Sub-Domains...</a:t>
-            </a:r>
-            <a:r>
-              <a:rPr lang="en-US" sz="5400" b="1" dirty="0" smtClean="0"/>
-              <a:t>)</a:t>
+              <a:t>Class Diagram (Frequent Sub-Domains...)</a:t>
             </a:r>
             <a:endParaRPr lang="en-US" sz="5400" b="1" dirty="0"/>
           </a:p>
